--- a/05-OO programming.pptx
+++ b/05-OO programming.pptx
@@ -230,7 +230,7 @@
           <a:p>
             <a:fld id="{761991DB-DEE8-4174-9435-9D9F721C6C6A}" type="datetimeFigureOut">
               <a:rPr lang="en-US"/>
-              <a:t>2/6/2015</a:t>
+              <a:t>2/9/2015</a:t>
             </a:fld>
             <a:endParaRPr lang="en-US"/>
           </a:p>
@@ -715,11 +715,7 @@
             </a:r>
             <a:r>
               <a:rPr lang="en-US" baseline="0" dirty="0" smtClean="0"/>
-              <a:t> </a:t>
-            </a:r>
-            <a:r>
-              <a:rPr lang="en-US" baseline="0" dirty="0" smtClean="0"/>
-              <a:t>http://horstmann.com/sjsu/summer2012/unit9/diamond.png</a:t>
+              <a:t> http://horstmann.com/sjsu/summer2012/unit9/diamond.png</a:t>
             </a:r>
             <a:endParaRPr lang="en-US" dirty="0"/>
           </a:p>
@@ -1130,7 +1126,7 @@
             <a:fld id="{5586B75A-687E-405C-8A0B-8D00578BA2C3}" type="datetimeFigureOut">
               <a:rPr lang="en-US" smtClean="0"/>
               <a:pPr/>
-              <a:t>2/6/2015</a:t>
+              <a:t>2/9/2015</a:t>
             </a:fld>
             <a:endParaRPr lang="en-US" dirty="0"/>
           </a:p>
@@ -1333,7 +1329,7 @@
           <a:p>
             <a:fld id="{5F4E5243-F52A-4D37-9694-EB26C6C31910}" type="datetimeFigureOut">
               <a:rPr lang="en-US" smtClean="0"/>
-              <a:t>2/6/2015</a:t>
+              <a:t>2/9/2015</a:t>
             </a:fld>
             <a:endParaRPr lang="en-US" dirty="0"/>
           </a:p>
@@ -1525,7 +1521,7 @@
           <a:p>
             <a:fld id="{3A77B6E1-634A-48DC-9E8B-D894023267EF}" type="datetimeFigureOut">
               <a:rPr lang="en-US" smtClean="0"/>
-              <a:t>2/6/2015</a:t>
+              <a:t>2/9/2015</a:t>
             </a:fld>
             <a:endParaRPr lang="en-US" dirty="0"/>
           </a:p>
@@ -1707,7 +1703,7 @@
           <a:p>
             <a:fld id="{7B2D3E9E-A95C-48F2-B4BF-A71542E0BE9A}" type="datetimeFigureOut">
               <a:rPr lang="en-US" smtClean="0"/>
-              <a:t>2/6/2015</a:t>
+              <a:t>2/9/2015</a:t>
             </a:fld>
             <a:endParaRPr lang="en-US" dirty="0"/>
           </a:p>
@@ -1976,7 +1972,7 @@
             <a:fld id="{5586B75A-687E-405C-8A0B-8D00578BA2C3}" type="datetimeFigureOut">
               <a:rPr lang="en-US" smtClean="0"/>
               <a:pPr/>
-              <a:t>2/6/2015</a:t>
+              <a:t>2/9/2015</a:t>
             </a:fld>
             <a:endParaRPr lang="en-US" dirty="0"/>
           </a:p>
@@ -2277,7 +2273,7 @@
           <a:p>
             <a:fld id="{F12952B5-7A2F-4CC8-B7CE-9234E21C2837}" type="datetimeFigureOut">
               <a:rPr lang="en-US" smtClean="0"/>
-              <a:t>2/6/2015</a:t>
+              <a:t>2/9/2015</a:t>
             </a:fld>
             <a:endParaRPr lang="en-US" dirty="0"/>
           </a:p>
@@ -2727,7 +2723,7 @@
           <a:p>
             <a:fld id="{CE1DA07A-9201-4B4B-BAF2-015AFA30F520}" type="datetimeFigureOut">
               <a:rPr lang="en-US" smtClean="0"/>
-              <a:t>2/6/2015</a:t>
+              <a:t>2/9/2015</a:t>
             </a:fld>
             <a:endParaRPr lang="en-US" dirty="0"/>
           </a:p>
@@ -2857,7 +2853,7 @@
           <a:p>
             <a:fld id="{73D7E00A-486F-4252-8B1D-E32645521F49}" type="datetimeFigureOut">
               <a:rPr lang="en-US" smtClean="0"/>
-              <a:t>2/6/2015</a:t>
+              <a:t>2/9/2015</a:t>
             </a:fld>
             <a:endParaRPr lang="en-US" dirty="0"/>
           </a:p>
@@ -2964,7 +2960,7 @@
           <a:p>
             <a:fld id="{8DDF5F92-E675-4B36-9A60-69A962A68675}" type="datetimeFigureOut">
               <a:rPr lang="en-US" smtClean="0"/>
-              <a:t>2/6/2015</a:t>
+              <a:t>2/9/2015</a:t>
             </a:fld>
             <a:endParaRPr lang="en-US" dirty="0"/>
           </a:p>
@@ -3332,7 +3328,7 @@
           <a:p>
             <a:fld id="{AF6E2C9B-5FA2-460D-9BE7-B0812FC2A6FF}" type="datetimeFigureOut">
               <a:rPr lang="en-US" smtClean="0"/>
-              <a:t>2/6/2015</a:t>
+              <a:t>2/9/2015</a:t>
             </a:fld>
             <a:endParaRPr lang="en-US" dirty="0"/>
           </a:p>
@@ -3662,7 +3658,7 @@
             <a:fld id="{5586B75A-687E-405C-8A0B-8D00578BA2C3}" type="datetimeFigureOut">
               <a:rPr lang="en-US" smtClean="0"/>
               <a:pPr/>
-              <a:t>2/6/2015</a:t>
+              <a:t>2/9/2015</a:t>
             </a:fld>
             <a:endParaRPr lang="en-US" dirty="0"/>
           </a:p>
@@ -3909,7 +3905,7 @@
             <a:fld id="{5586B75A-687E-405C-8A0B-8D00578BA2C3}" type="datetimeFigureOut">
               <a:rPr lang="en-US" smtClean="0"/>
               <a:pPr/>
-              <a:t>2/6/2015</a:t>
+              <a:t>2/9/2015</a:t>
             </a:fld>
             <a:endParaRPr lang="en-US" dirty="0"/>
           </a:p>
@@ -4379,8 +4375,8 @@
               <a:t>OO </a:t>
             </a:r>
             <a:r>
-              <a:rPr lang="en-US" dirty="0" err="1" smtClean="0"/>
-              <a:t>Prgramming</a:t>
+              <a:rPr lang="en-US" dirty="0" smtClean="0"/>
+              <a:t>Programming</a:t>
             </a:r>
             <a:endParaRPr lang="en-US" dirty="0"/>
           </a:p>
@@ -4500,11 +4496,7 @@
             </a:pPr>
             <a:r>
               <a:rPr lang="en-CA" dirty="0" smtClean="0"/>
-              <a:t>Runtime vs compile time explanation</a:t>
-            </a:r>
-            <a:r>
-              <a:rPr lang="en-CA" dirty="0" smtClean="0"/>
-              <a:t>: </a:t>
+              <a:t>Runtime vs compile time explanation: </a:t>
             </a:r>
             <a:r>
               <a:rPr lang="en-CA" dirty="0">
@@ -4522,7 +4514,6 @@
               <a:rPr lang="en-CA" dirty="0" smtClean="0"/>
               <a:t> </a:t>
             </a:r>
-            <a:endParaRPr lang="en-CA" dirty="0" smtClean="0"/>
           </a:p>
           <a:p>
             <a:pPr marL="457200" indent="-457200">
@@ -4956,7 +4947,7 @@
         </p:nvSpPr>
         <p:spPr>
           <a:xfrm>
-            <a:off x="10049872" y="4635500"/>
+            <a:off x="10049872" y="4649788"/>
             <a:ext cx="639983" cy="369332"/>
           </a:xfrm>
           <a:prstGeom prst="rect">
@@ -4972,7 +4963,11 @@
           <a:p>
             <a:r>
               <a:rPr lang="en-CA" dirty="0" smtClean="0"/>
-              <a:t>Pay()</a:t>
+              <a:t>Pay</a:t>
+            </a:r>
+            <a:r>
+              <a:rPr lang="en-CA" dirty="0" smtClean="0"/>
+              <a:t>()</a:t>
             </a:r>
             <a:endParaRPr lang="en-CA" dirty="0"/>
           </a:p>
@@ -4988,11 +4983,11 @@
   <p:clrMapOvr>
     <a:masterClrMapping/>
   </p:clrMapOvr>
-  <mc:AlternateContent xmlns:mc="http://schemas.openxmlformats.org/markup-compatibility/2006">
-    <mc:Choice xmlns:p14="http://schemas.microsoft.com/office/powerpoint/2010/main" Requires="p14">
+  <mc:AlternateContent xmlns:mc="http://schemas.openxmlformats.org/markup-compatibility/2006" xmlns:p14="http://schemas.microsoft.com/office/powerpoint/2010/main">
+    <mc:Choice Requires="p14">
       <p:transition p14:dur="0"/>
     </mc:Choice>
-    <mc:Fallback>
+    <mc:Fallback xmlns="">
       <p:transition/>
     </mc:Fallback>
   </mc:AlternateContent>
@@ -5110,11 +5105,11 @@
   <p:clrMapOvr>
     <a:masterClrMapping/>
   </p:clrMapOvr>
-  <mc:AlternateContent xmlns:mc="http://schemas.openxmlformats.org/markup-compatibility/2006">
-    <mc:Choice xmlns:p14="http://schemas.microsoft.com/office/powerpoint/2010/main" Requires="p14">
+  <mc:AlternateContent xmlns:mc="http://schemas.openxmlformats.org/markup-compatibility/2006" xmlns:p14="http://schemas.microsoft.com/office/powerpoint/2010/main">
+    <mc:Choice Requires="p14">
       <p:transition p14:dur="0"/>
     </mc:Choice>
-    <mc:Fallback>
+    <mc:Fallback xmlns="">
       <p:transition/>
     </mc:Fallback>
   </mc:AlternateContent>
@@ -5280,11 +5275,11 @@
   <p:clrMapOvr>
     <a:masterClrMapping/>
   </p:clrMapOvr>
-  <mc:AlternateContent xmlns:mc="http://schemas.openxmlformats.org/markup-compatibility/2006">
-    <mc:Choice xmlns:p14="http://schemas.microsoft.com/office/powerpoint/2010/main" Requires="p14">
+  <mc:AlternateContent xmlns:mc="http://schemas.openxmlformats.org/markup-compatibility/2006" xmlns:p14="http://schemas.microsoft.com/office/powerpoint/2010/main">
+    <mc:Choice Requires="p14">
       <p:transition p14:dur="0"/>
     </mc:Choice>
-    <mc:Fallback>
+    <mc:Fallback xmlns="">
       <p:transition/>
     </mc:Fallback>
   </mc:AlternateContent>
@@ -5405,11 +5400,11 @@
   <p:clrMapOvr>
     <a:masterClrMapping/>
   </p:clrMapOvr>
-  <mc:AlternateContent xmlns:mc="http://schemas.openxmlformats.org/markup-compatibility/2006">
-    <mc:Choice xmlns:p14="http://schemas.microsoft.com/office/powerpoint/2010/main" Requires="p14">
+  <mc:AlternateContent xmlns:mc="http://schemas.openxmlformats.org/markup-compatibility/2006" xmlns:p14="http://schemas.microsoft.com/office/powerpoint/2010/main">
+    <mc:Choice Requires="p14">
       <p:transition p14:dur="0"/>
     </mc:Choice>
-    <mc:Fallback>
+    <mc:Fallback xmlns="">
       <p:transition/>
     </mc:Fallback>
   </mc:AlternateContent>
@@ -5625,11 +5620,11 @@
   <p:clrMapOvr>
     <a:masterClrMapping/>
   </p:clrMapOvr>
-  <mc:AlternateContent xmlns:mc="http://schemas.openxmlformats.org/markup-compatibility/2006">
-    <mc:Choice xmlns:p14="http://schemas.microsoft.com/office/powerpoint/2010/main" Requires="p14">
+  <mc:AlternateContent xmlns:mc="http://schemas.openxmlformats.org/markup-compatibility/2006" xmlns:p14="http://schemas.microsoft.com/office/powerpoint/2010/main">
+    <mc:Choice Requires="p14">
       <p:transition p14:dur="0"/>
     </mc:Choice>
-    <mc:Fallback>
+    <mc:Fallback xmlns="">
       <p:transition/>
     </mc:Fallback>
   </mc:AlternateContent>
@@ -5738,11 +5733,11 @@
   <p:clrMapOvr>
     <a:masterClrMapping/>
   </p:clrMapOvr>
-  <mc:AlternateContent xmlns:mc="http://schemas.openxmlformats.org/markup-compatibility/2006">
-    <mc:Choice xmlns:p14="http://schemas.microsoft.com/office/powerpoint/2010/main" Requires="p14">
+  <mc:AlternateContent xmlns:mc="http://schemas.openxmlformats.org/markup-compatibility/2006" xmlns:p14="http://schemas.microsoft.com/office/powerpoint/2010/main">
+    <mc:Choice Requires="p14">
       <p:transition p14:dur="0"/>
     </mc:Choice>
-    <mc:Fallback>
+    <mc:Fallback xmlns="">
       <p:transition/>
     </mc:Fallback>
   </mc:AlternateContent>
@@ -5824,6 +5819,14 @@
             </a:r>
           </a:p>
           <a:p>
+            <a:r>
+              <a:rPr lang="en-CA" dirty="0" smtClean="0"/>
+              <a:t>Programming Assignmen</a:t>
+            </a:r>
+            <a:r>
+              <a:rPr lang="en-CA" dirty="0" smtClean="0"/>
+              <a:t>t 1 due MARCH 4</a:t>
+            </a:r>
             <a:endParaRPr lang="en-CA" dirty="0"/>
           </a:p>
         </p:txBody>
@@ -6355,21 +6358,6 @@
 </file>
 
 <file path=customXml/item1.xml><?xml version="1.0" encoding="utf-8"?>
-<p:properties xmlns:p="http://schemas.microsoft.com/office/2006/metadata/properties" xmlns:xsi="http://www.w3.org/2001/XMLSchema-instance" xmlns:pc="http://schemas.microsoft.com/office/infopath/2007/PartnerControls">
-  <documentManagement/>
-</p:properties>
-</file>
-
-<file path=customXml/item2.xml><?xml version="1.0" encoding="utf-8"?>
-<?mso-contentType ?>
-<FormTemplates xmlns="http://schemas.microsoft.com/sharepoint/v3/contenttype/forms">
-  <Display>DocumentLibraryForm</Display>
-  <Edit>DocumentLibraryForm</Edit>
-  <New>DocumentLibraryForm</New>
-</FormTemplates>
-</file>
-
-<file path=customXml/item3.xml><?xml version="1.0" encoding="utf-8"?>
 <ct:contentTypeSchema xmlns:ct="http://schemas.microsoft.com/office/2006/metadata/contentType" xmlns:ma="http://schemas.microsoft.com/office/2006/metadata/properties/metaAttributes" ct:_="" ma:_="" ma:contentTypeName="Document" ma:contentTypeID="0x0101007C1D5F340F01F94FA2FD29A5E6DC872E" ma:contentTypeVersion="0" ma:contentTypeDescription="Create a new document." ma:contentTypeScope="" ma:versionID="f583bd66513a361a730282b6a794e352">
   <xsd:schema xmlns:xsd="http://www.w3.org/2001/XMLSchema" xmlns:xs="http://www.w3.org/2001/XMLSchema" xmlns:p="http://schemas.microsoft.com/office/2006/metadata/properties" targetNamespace="http://schemas.microsoft.com/office/2006/metadata/properties" ma:root="true" ma:fieldsID="6841151cf538834e171094e4faaf2d73">
     <xsd:element name="properties">
@@ -6483,17 +6471,33 @@
 </ct:contentTypeSchema>
 </file>
 
+<file path=customXml/item2.xml><?xml version="1.0" encoding="utf-8"?>
+<?mso-contentType ?>
+<FormTemplates xmlns="http://schemas.microsoft.com/sharepoint/v3/contenttype/forms">
+  <Display>DocumentLibraryForm</Display>
+  <Edit>DocumentLibraryForm</Edit>
+  <New>DocumentLibraryForm</New>
+</FormTemplates>
+</file>
+
+<file path=customXml/item3.xml><?xml version="1.0" encoding="utf-8"?>
+<p:properties xmlns:p="http://schemas.microsoft.com/office/2006/metadata/properties" xmlns:xsi="http://www.w3.org/2001/XMLSchema-instance" xmlns:pc="http://schemas.microsoft.com/office/infopath/2007/PartnerControls">
+  <documentManagement/>
+</p:properties>
+</file>
+
 <file path=customXml/itemProps1.xml><?xml version="1.0" encoding="utf-8"?>
-<ds:datastoreItem xmlns:ds="http://schemas.openxmlformats.org/officeDocument/2006/customXml" ds:itemID="{FF71E0A8-DA6F-4DC5-84AA-9AE90625C277}">
+<ds:datastoreItem xmlns:ds="http://schemas.openxmlformats.org/officeDocument/2006/customXml" ds:itemID="{29F17D79-05FE-43C7-A9B5-360E9D6B5ACC}">
   <ds:schemaRefs>
+    <ds:schemaRef ds:uri="http://schemas.microsoft.com/office/2006/metadata/contentType"/>
+    <ds:schemaRef ds:uri="http://schemas.microsoft.com/office/2006/metadata/properties/metaAttributes"/>
+    <ds:schemaRef ds:uri="http://www.w3.org/2001/XMLSchema"/>
     <ds:schemaRef ds:uri="http://schemas.microsoft.com/office/2006/metadata/properties"/>
+    <ds:schemaRef ds:uri="http://schemas.openxmlformats.org/package/2006/metadata/core-properties"/>
     <ds:schemaRef ds:uri="http://purl.org/dc/elements/1.1/"/>
     <ds:schemaRef ds:uri="http://purl.org/dc/terms/"/>
-    <ds:schemaRef ds:uri="http://purl.org/dc/dcmitype/"/>
-    <ds:schemaRef ds:uri="http://schemas.microsoft.com/office/2006/documentManagement/types"/>
+    <ds:schemaRef ds:uri="http://schemas.microsoft.com/internal/obd"/>
     <ds:schemaRef ds:uri="http://schemas.microsoft.com/office/infopath/2007/PartnerControls"/>
-    <ds:schemaRef ds:uri="http://schemas.openxmlformats.org/package/2006/metadata/core-properties"/>
-    <ds:schemaRef ds:uri="http://www.w3.org/XML/1998/namespace"/>
   </ds:schemaRefs>
 </ds:datastoreItem>
 </file>
@@ -6507,17 +6511,16 @@
 </file>
 
 <file path=customXml/itemProps3.xml><?xml version="1.0" encoding="utf-8"?>
-<ds:datastoreItem xmlns:ds="http://schemas.openxmlformats.org/officeDocument/2006/customXml" ds:itemID="{29F17D79-05FE-43C7-A9B5-360E9D6B5ACC}">
+<ds:datastoreItem xmlns:ds="http://schemas.openxmlformats.org/officeDocument/2006/customXml" ds:itemID="{FF71E0A8-DA6F-4DC5-84AA-9AE90625C277}">
   <ds:schemaRefs>
-    <ds:schemaRef ds:uri="http://schemas.microsoft.com/office/2006/metadata/contentType"/>
-    <ds:schemaRef ds:uri="http://schemas.microsoft.com/office/2006/metadata/properties/metaAttributes"/>
-    <ds:schemaRef ds:uri="http://www.w3.org/2001/XMLSchema"/>
     <ds:schemaRef ds:uri="http://schemas.microsoft.com/office/2006/metadata/properties"/>
-    <ds:schemaRef ds:uri="http://schemas.openxmlformats.org/package/2006/metadata/core-properties"/>
     <ds:schemaRef ds:uri="http://purl.org/dc/elements/1.1/"/>
     <ds:schemaRef ds:uri="http://purl.org/dc/terms/"/>
-    <ds:schemaRef ds:uri="http://schemas.microsoft.com/internal/obd"/>
+    <ds:schemaRef ds:uri="http://purl.org/dc/dcmitype/"/>
+    <ds:schemaRef ds:uri="http://schemas.microsoft.com/office/2006/documentManagement/types"/>
     <ds:schemaRef ds:uri="http://schemas.microsoft.com/office/infopath/2007/PartnerControls"/>
+    <ds:schemaRef ds:uri="http://schemas.openxmlformats.org/package/2006/metadata/core-properties"/>
+    <ds:schemaRef ds:uri="http://www.w3.org/XML/1998/namespace"/>
   </ds:schemaRefs>
 </ds:datastoreItem>
 </file>